--- a/Group Presentation 20180125.pptx
+++ b/Group Presentation 20180125.pptx
@@ -5,7 +5,7 @@
     <p:sldMasterId id="2147483648" r:id="rId1"/>
   </p:sldMasterIdLst>
   <p:notesMasterIdLst>
-    <p:notesMasterId r:id="rId22"/>
+    <p:notesMasterId r:id="rId20"/>
   </p:notesMasterIdLst>
   <p:sldIdLst>
     <p:sldId id="256" r:id="rId2"/>
@@ -19,15 +19,13 @@
     <p:sldId id="268" r:id="rId10"/>
     <p:sldId id="260" r:id="rId11"/>
     <p:sldId id="261" r:id="rId12"/>
-    <p:sldId id="263" r:id="rId13"/>
-    <p:sldId id="276" r:id="rId14"/>
-    <p:sldId id="264" r:id="rId15"/>
-    <p:sldId id="273" r:id="rId16"/>
-    <p:sldId id="274" r:id="rId17"/>
-    <p:sldId id="270" r:id="rId18"/>
-    <p:sldId id="271" r:id="rId19"/>
-    <p:sldId id="277" r:id="rId20"/>
-    <p:sldId id="272" r:id="rId21"/>
+    <p:sldId id="272" r:id="rId13"/>
+    <p:sldId id="263" r:id="rId14"/>
+    <p:sldId id="276" r:id="rId15"/>
+    <p:sldId id="278" r:id="rId16"/>
+    <p:sldId id="273" r:id="rId17"/>
+    <p:sldId id="271" r:id="rId18"/>
+    <p:sldId id="277" r:id="rId19"/>
   </p:sldIdLst>
   <p:sldSz cx="12192000" cy="6858000"/>
   <p:notesSz cx="6858000" cy="9144000"/>
@@ -7573,6 +7571,414 @@
       </p:grpSpPr>
       <p:sp>
         <p:nvSpPr>
+          <p:cNvPr id="2" name="標題 1"/>
+          <p:cNvSpPr>
+            <a:spLocks noGrp="1"/>
+          </p:cNvSpPr>
+          <p:nvPr>
+            <p:ph type="title"/>
+          </p:nvPr>
+        </p:nvSpPr>
+        <p:spPr/>
+        <p:txBody>
+          <a:bodyPr/>
+          <a:lstStyle/>
+          <a:p>
+            <a:r>
+              <a:rPr lang="en-US" dirty="0" err="1" smtClean="0"/>
+              <a:t>Comparision</a:t>
+            </a:r>
+            <a:r>
+              <a:rPr lang="en-US" dirty="0" smtClean="0"/>
+              <a:t>  (lambda = 0.5)</a:t>
+            </a:r>
+            <a:endParaRPr lang="en-US" dirty="0"/>
+          </a:p>
+        </p:txBody>
+      </p:sp>
+      <p:pic>
+        <p:nvPicPr>
+          <p:cNvPr id="4" name="圖片 3"/>
+          <p:cNvPicPr>
+            <a:picLocks noChangeAspect="1"/>
+          </p:cNvPicPr>
+          <p:nvPr/>
+        </p:nvPicPr>
+        <p:blipFill>
+          <a:blip r:embed="rId2">
+            <a:extLst>
+              <a:ext uri="{28A0092B-C50C-407E-A947-70E740481C1C}">
+                <a14:useLocalDpi xmlns:a14="http://schemas.microsoft.com/office/drawing/2010/main" val="0"/>
+              </a:ext>
+            </a:extLst>
+          </a:blip>
+          <a:stretch>
+            <a:fillRect/>
+          </a:stretch>
+        </p:blipFill>
+        <p:spPr>
+          <a:xfrm>
+            <a:off x="7689351" y="2226211"/>
+            <a:ext cx="3089109" cy="2316832"/>
+          </a:xfrm>
+          <a:prstGeom prst="rect">
+            <a:avLst/>
+          </a:prstGeom>
+        </p:spPr>
+      </p:pic>
+      <p:pic>
+        <p:nvPicPr>
+          <p:cNvPr id="5" name="圖片 4"/>
+          <p:cNvPicPr>
+            <a:picLocks noChangeAspect="1"/>
+          </p:cNvPicPr>
+          <p:nvPr/>
+        </p:nvPicPr>
+        <p:blipFill>
+          <a:blip r:embed="rId3">
+            <a:extLst>
+              <a:ext uri="{28A0092B-C50C-407E-A947-70E740481C1C}">
+                <a14:useLocalDpi xmlns:a14="http://schemas.microsoft.com/office/drawing/2010/main" val="0"/>
+              </a:ext>
+            </a:extLst>
+          </a:blip>
+          <a:stretch>
+            <a:fillRect/>
+          </a:stretch>
+        </p:blipFill>
+        <p:spPr>
+          <a:xfrm>
+            <a:off x="7721556" y="4319284"/>
+            <a:ext cx="3024698" cy="2268524"/>
+          </a:xfrm>
+          <a:prstGeom prst="rect">
+            <a:avLst/>
+          </a:prstGeom>
+        </p:spPr>
+      </p:pic>
+      <p:pic>
+        <p:nvPicPr>
+          <p:cNvPr id="6" name="圖片 5"/>
+          <p:cNvPicPr>
+            <a:picLocks noChangeAspect="1"/>
+          </p:cNvPicPr>
+          <p:nvPr/>
+        </p:nvPicPr>
+        <p:blipFill>
+          <a:blip r:embed="rId4">
+            <a:extLst>
+              <a:ext uri="{28A0092B-C50C-407E-A947-70E740481C1C}">
+                <a14:useLocalDpi xmlns:a14="http://schemas.microsoft.com/office/drawing/2010/main" val="0"/>
+              </a:ext>
+            </a:extLst>
+          </a:blip>
+          <a:stretch>
+            <a:fillRect/>
+          </a:stretch>
+        </p:blipFill>
+        <p:spPr>
+          <a:xfrm>
+            <a:off x="4480315" y="2234742"/>
+            <a:ext cx="3024698" cy="2268524"/>
+          </a:xfrm>
+          <a:prstGeom prst="rect">
+            <a:avLst/>
+          </a:prstGeom>
+        </p:spPr>
+      </p:pic>
+      <p:pic>
+        <p:nvPicPr>
+          <p:cNvPr id="7" name="圖片 6"/>
+          <p:cNvPicPr>
+            <a:picLocks noChangeAspect="1"/>
+          </p:cNvPicPr>
+          <p:nvPr/>
+        </p:nvPicPr>
+        <p:blipFill>
+          <a:blip r:embed="rId5">
+            <a:extLst>
+              <a:ext uri="{28A0092B-C50C-407E-A947-70E740481C1C}">
+                <a14:useLocalDpi xmlns:a14="http://schemas.microsoft.com/office/drawing/2010/main" val="0"/>
+              </a:ext>
+            </a:extLst>
+          </a:blip>
+          <a:stretch>
+            <a:fillRect/>
+          </a:stretch>
+        </p:blipFill>
+        <p:spPr>
+          <a:xfrm>
+            <a:off x="4512520" y="4319284"/>
+            <a:ext cx="3024698" cy="2268524"/>
+          </a:xfrm>
+          <a:prstGeom prst="rect">
+            <a:avLst/>
+          </a:prstGeom>
+        </p:spPr>
+      </p:pic>
+      <p:pic>
+        <p:nvPicPr>
+          <p:cNvPr id="8" name="圖片 7"/>
+          <p:cNvPicPr>
+            <a:picLocks noChangeAspect="1"/>
+          </p:cNvPicPr>
+          <p:nvPr/>
+        </p:nvPicPr>
+        <p:blipFill rotWithShape="1">
+          <a:blip r:embed="rId6">
+            <a:extLst>
+              <a:ext uri="{28A0092B-C50C-407E-A947-70E740481C1C}">
+                <a14:useLocalDpi xmlns:a14="http://schemas.microsoft.com/office/drawing/2010/main" val="0"/>
+              </a:ext>
+            </a:extLst>
+          </a:blip>
+          <a:srcRect l="4664" t="9818" r="8833" b="4777"/>
+          <a:stretch/>
+        </p:blipFill>
+        <p:spPr>
+          <a:xfrm>
+            <a:off x="1412341" y="2453489"/>
+            <a:ext cx="2616451" cy="1937442"/>
+          </a:xfrm>
+          <a:prstGeom prst="rect">
+            <a:avLst/>
+          </a:prstGeom>
+        </p:spPr>
+      </p:pic>
+      <p:pic>
+        <p:nvPicPr>
+          <p:cNvPr id="9" name="圖片 8"/>
+          <p:cNvPicPr>
+            <a:picLocks noChangeAspect="1"/>
+          </p:cNvPicPr>
+          <p:nvPr/>
+        </p:nvPicPr>
+        <p:blipFill rotWithShape="1">
+          <a:blip r:embed="rId7">
+            <a:extLst>
+              <a:ext uri="{28A0092B-C50C-407E-A947-70E740481C1C}">
+                <a14:useLocalDpi xmlns:a14="http://schemas.microsoft.com/office/drawing/2010/main" val="0"/>
+              </a:ext>
+            </a:extLst>
+          </a:blip>
+          <a:srcRect l="4664" t="10342" r="7337" b="4253"/>
+          <a:stretch/>
+        </p:blipFill>
+        <p:spPr>
+          <a:xfrm>
+            <a:off x="1412341" y="4553892"/>
+            <a:ext cx="2661718" cy="1937443"/>
+          </a:xfrm>
+          <a:prstGeom prst="rect">
+            <a:avLst/>
+          </a:prstGeom>
+        </p:spPr>
+      </p:pic>
+      <p:sp>
+        <p:nvSpPr>
+          <p:cNvPr id="10" name="TextBox 9"/>
+          <p:cNvSpPr txBox="1"/>
+          <p:nvPr/>
+        </p:nvSpPr>
+        <p:spPr>
+          <a:xfrm>
+            <a:off x="1482257" y="1949136"/>
+            <a:ext cx="1984832" cy="461665"/>
+          </a:xfrm>
+          <a:prstGeom prst="rect">
+            <a:avLst/>
+          </a:prstGeom>
+          <a:noFill/>
+        </p:spPr>
+        <p:txBody>
+          <a:bodyPr wrap="square" rtlCol="0">
+            <a:spAutoFit/>
+          </a:bodyPr>
+          <a:lstStyle/>
+          <a:p>
+            <a:pPr marL="285750" indent="-285750">
+              <a:buFont typeface="Arial" panose="020B0604020202020204" pitchFamily="34" charset="0"/>
+              <a:buChar char="•"/>
+            </a:pPr>
+            <a:r>
+              <a:rPr lang="en-US" sz="2400" dirty="0" smtClean="0"/>
+              <a:t>Q-learning </a:t>
+            </a:r>
+            <a:endParaRPr lang="en-US" sz="2400" dirty="0"/>
+          </a:p>
+        </p:txBody>
+      </p:sp>
+      <p:sp>
+        <p:nvSpPr>
+          <p:cNvPr id="11" name="TextBox 10"/>
+          <p:cNvSpPr txBox="1"/>
+          <p:nvPr/>
+        </p:nvSpPr>
+        <p:spPr>
+          <a:xfrm>
+            <a:off x="4673812" y="1949136"/>
+            <a:ext cx="1984832" cy="461665"/>
+          </a:xfrm>
+          <a:prstGeom prst="rect">
+            <a:avLst/>
+          </a:prstGeom>
+          <a:noFill/>
+        </p:spPr>
+        <p:txBody>
+          <a:bodyPr wrap="square" rtlCol="0">
+            <a:spAutoFit/>
+          </a:bodyPr>
+          <a:lstStyle/>
+          <a:p>
+            <a:pPr marL="285750" indent="-285750">
+              <a:buFont typeface="Arial" panose="020B0604020202020204" pitchFamily="34" charset="0"/>
+              <a:buChar char="•"/>
+            </a:pPr>
+            <a:r>
+              <a:rPr lang="en-US" sz="2400" dirty="0" err="1" smtClean="0"/>
+              <a:t>Sarsa</a:t>
+            </a:r>
+            <a:r>
+              <a:rPr lang="en-US" sz="2400" dirty="0" smtClean="0"/>
+              <a:t> </a:t>
+            </a:r>
+            <a:endParaRPr lang="en-US" sz="2400" dirty="0"/>
+          </a:p>
+        </p:txBody>
+      </p:sp>
+      <p:sp>
+        <p:nvSpPr>
+          <p:cNvPr id="12" name="TextBox 11"/>
+          <p:cNvSpPr txBox="1"/>
+          <p:nvPr/>
+        </p:nvSpPr>
+        <p:spPr>
+          <a:xfrm>
+            <a:off x="7973299" y="1949135"/>
+            <a:ext cx="1984832" cy="461665"/>
+          </a:xfrm>
+          <a:prstGeom prst="rect">
+            <a:avLst/>
+          </a:prstGeom>
+          <a:noFill/>
+        </p:spPr>
+        <p:txBody>
+          <a:bodyPr wrap="square" rtlCol="0">
+            <a:spAutoFit/>
+          </a:bodyPr>
+          <a:lstStyle/>
+          <a:p>
+            <a:pPr marL="285750" indent="-285750">
+              <a:buFont typeface="Arial" panose="020B0604020202020204" pitchFamily="34" charset="0"/>
+              <a:buChar char="•"/>
+            </a:pPr>
+            <a:r>
+              <a:rPr lang="en-US" sz="2400" dirty="0" smtClean="0"/>
+              <a:t>QV </a:t>
+            </a:r>
+            <a:endParaRPr lang="en-US" sz="2400" dirty="0"/>
+          </a:p>
+        </p:txBody>
+      </p:sp>
+      <p:sp>
+        <p:nvSpPr>
+          <p:cNvPr id="13" name="TextBox 12"/>
+          <p:cNvSpPr txBox="1"/>
+          <p:nvPr/>
+        </p:nvSpPr>
+        <p:spPr>
+          <a:xfrm>
+            <a:off x="262550" y="2888056"/>
+            <a:ext cx="1219707" cy="461665"/>
+          </a:xfrm>
+          <a:prstGeom prst="rect">
+            <a:avLst/>
+          </a:prstGeom>
+          <a:noFill/>
+        </p:spPr>
+        <p:txBody>
+          <a:bodyPr wrap="square" rtlCol="0">
+            <a:spAutoFit/>
+          </a:bodyPr>
+          <a:lstStyle/>
+          <a:p>
+            <a:r>
+              <a:rPr lang="en-US" sz="2400" dirty="0" smtClean="0"/>
+              <a:t>rewards</a:t>
+            </a:r>
+            <a:endParaRPr lang="en-US" sz="2400" dirty="0"/>
+          </a:p>
+        </p:txBody>
+      </p:sp>
+      <p:sp>
+        <p:nvSpPr>
+          <p:cNvPr id="15" name="TextBox 14"/>
+          <p:cNvSpPr txBox="1"/>
+          <p:nvPr/>
+        </p:nvSpPr>
+        <p:spPr>
+          <a:xfrm>
+            <a:off x="262550" y="5222713"/>
+            <a:ext cx="1219707" cy="461665"/>
+          </a:xfrm>
+          <a:prstGeom prst="rect">
+            <a:avLst/>
+          </a:prstGeom>
+          <a:noFill/>
+        </p:spPr>
+        <p:txBody>
+          <a:bodyPr wrap="square" rtlCol="0">
+            <a:spAutoFit/>
+          </a:bodyPr>
+          <a:lstStyle/>
+          <a:p>
+            <a:r>
+              <a:rPr lang="en-US" sz="2400" dirty="0" smtClean="0"/>
+              <a:t>steps</a:t>
+            </a:r>
+            <a:endParaRPr lang="en-US" sz="2400" dirty="0"/>
+          </a:p>
+        </p:txBody>
+      </p:sp>
+    </p:spTree>
+    <p:extLst>
+      <p:ext uri="{BB962C8B-B14F-4D97-AF65-F5344CB8AC3E}">
+        <p14:creationId xmlns:p14="http://schemas.microsoft.com/office/powerpoint/2010/main" val="4095969915"/>
+      </p:ext>
+    </p:extLst>
+  </p:cSld>
+  <p:clrMapOvr>
+    <a:masterClrMapping/>
+  </p:clrMapOvr>
+  <p:timing>
+    <p:tnLst>
+      <p:par>
+        <p:cTn id="1" dur="indefinite" restart="never" nodeType="tmRoot"/>
+      </p:par>
+    </p:tnLst>
+  </p:timing>
+</p:sld>
+</file>
+
+<file path=ppt/slides/slide13.xml><?xml version="1.0" encoding="utf-8"?>
+<p:sld xmlns:a="http://schemas.openxmlformats.org/drawingml/2006/main" xmlns:r="http://schemas.openxmlformats.org/officeDocument/2006/relationships" xmlns:p="http://schemas.openxmlformats.org/presentationml/2006/main">
+  <p:cSld>
+    <p:spTree>
+      <p:nvGrpSpPr>
+        <p:cNvPr id="1" name=""/>
+        <p:cNvGrpSpPr/>
+        <p:nvPr/>
+      </p:nvGrpSpPr>
+      <p:grpSpPr>
+        <a:xfrm>
+          <a:off x="0" y="0"/>
+          <a:ext cx="0" cy="0"/>
+          <a:chOff x="0" y="0"/>
+          <a:chExt cx="0" cy="0"/>
+        </a:xfrm>
+      </p:grpSpPr>
+      <p:sp>
+        <p:nvSpPr>
           <p:cNvPr id="2" name="Title 1"/>
           <p:cNvSpPr>
             <a:spLocks noGrp="1"/>
@@ -7622,7 +8028,11 @@
           <a:p>
             <a:r>
               <a:rPr lang="en-US" sz="2400" dirty="0" smtClean="0"/>
-              <a:t>Q table is too simple:</a:t>
+              <a:t>One Q </a:t>
+            </a:r>
+            <a:r>
+              <a:rPr lang="en-US" sz="2400" dirty="0" smtClean="0"/>
+              <a:t>table is too simple:</a:t>
             </a:r>
           </a:p>
           <a:p>
@@ -7946,7 +8356,7 @@
                                     </p:set>
                                     <p:animEffect transition="in" filter="fade">
                                       <p:cBhvr>
-                                        <p:cTn id="7" dur="500"/>
+                                        <p:cTn id="7" dur="200"/>
                                         <p:tgtEl>
                                           <p:spTgt spid="11"/>
                                         </p:tgtEl>
@@ -7999,7 +8409,7 @@
                                     </p:set>
                                     <p:animEffect transition="in" filter="fade">
                                       <p:cBhvr>
-                                        <p:cTn id="12" dur="500"/>
+                                        <p:cTn id="12" dur="300"/>
                                         <p:tgtEl>
                                           <p:spTgt spid="12"/>
                                         </p:tgtEl>
@@ -8034,7 +8444,7 @@
                                   <p:childTnLst>
                                     <p:animEffect transition="out" filter="fade">
                                       <p:cBhvr>
-                                        <p:cTn id="16" dur="500"/>
+                                        <p:cTn id="16" dur="200"/>
                                         <p:tgtEl>
                                           <p:spTgt spid="11"/>
                                         </p:tgtEl>
@@ -8044,7 +8454,7 @@
                                       <p:cBhvr>
                                         <p:cTn id="17" dur="1" fill="hold">
                                           <p:stCondLst>
-                                            <p:cond delay="499"/>
+                                            <p:cond delay="199"/>
                                           </p:stCondLst>
                                         </p:cTn>
                                         <p:tgtEl>
@@ -8069,7 +8479,7 @@
                                   <p:childTnLst>
                                     <p:animEffect transition="out" filter="fade">
                                       <p:cBhvr>
-                                        <p:cTn id="19" dur="500"/>
+                                        <p:cTn id="19" dur="300"/>
                                         <p:tgtEl>
                                           <p:spTgt spid="12"/>
                                         </p:tgtEl>
@@ -8079,7 +8489,7 @@
                                       <p:cBhvr>
                                         <p:cTn id="20" dur="1" fill="hold">
                                           <p:stCondLst>
-                                            <p:cond delay="499"/>
+                                            <p:cond delay="299"/>
                                           </p:stCondLst>
                                         </p:cTn>
                                         <p:tgtEl>
@@ -8102,7 +8512,7 @@
                         <p:par>
                           <p:cTn id="21" fill="hold">
                             <p:stCondLst>
-                              <p:cond delay="500"/>
+                              <p:cond delay="300"/>
                             </p:stCondLst>
                             <p:childTnLst>
                               <p:par>
@@ -8131,7 +8541,7 @@
                                     </p:set>
                                     <p:animEffect transition="in" filter="wipe(left)">
                                       <p:cBhvr>
-                                        <p:cTn id="24" dur="500"/>
+                                        <p:cTn id="24" dur="200"/>
                                         <p:tgtEl>
                                           <p:spTgt spid="14"/>
                                         </p:tgtEl>
@@ -8166,7 +8576,7 @@
                                   <p:childTnLst>
                                     <p:animEffect transition="out" filter="fade">
                                       <p:cBhvr>
-                                        <p:cTn id="28" dur="500"/>
+                                        <p:cTn id="28" dur="200"/>
                                         <p:tgtEl>
                                           <p:spTgt spid="14"/>
                                         </p:tgtEl>
@@ -8176,7 +8586,7 @@
                                       <p:cBhvr>
                                         <p:cTn id="29" dur="1" fill="hold">
                                           <p:stCondLst>
-                                            <p:cond delay="499"/>
+                                            <p:cond delay="199"/>
                                           </p:stCondLst>
                                         </p:cTn>
                                         <p:tgtEl>
@@ -8199,7 +8609,7 @@
                         <p:par>
                           <p:cTn id="30" fill="hold">
                             <p:stCondLst>
-                              <p:cond delay="500"/>
+                              <p:cond delay="200"/>
                             </p:stCondLst>
                             <p:childTnLst>
                               <p:par>
@@ -8367,7 +8777,7 @@
                                     </p:set>
                                     <p:animEffect transition="in" filter="fade">
                                       <p:cBhvr>
-                                        <p:cTn id="44" dur="500"/>
+                                        <p:cTn id="44" dur="200"/>
                                         <p:tgtEl>
                                           <p:spTgt spid="16"/>
                                         </p:tgtEl>
@@ -8414,187 +8824,6 @@
 </p:sld>
 </file>
 
-<file path=ppt/slides/slide13.xml><?xml version="1.0" encoding="utf-8"?>
-<p:sld xmlns:a="http://schemas.openxmlformats.org/drawingml/2006/main" xmlns:r="http://schemas.openxmlformats.org/officeDocument/2006/relationships" xmlns:p="http://schemas.openxmlformats.org/presentationml/2006/main">
-  <p:cSld>
-    <p:spTree>
-      <p:nvGrpSpPr>
-        <p:cNvPr id="1" name=""/>
-        <p:cNvGrpSpPr/>
-        <p:nvPr/>
-      </p:nvGrpSpPr>
-      <p:grpSpPr>
-        <a:xfrm>
-          <a:off x="0" y="0"/>
-          <a:ext cx="0" cy="0"/>
-          <a:chOff x="0" y="0"/>
-          <a:chExt cx="0" cy="0"/>
-        </a:xfrm>
-      </p:grpSpPr>
-      <p:sp>
-        <p:nvSpPr>
-          <p:cNvPr id="2" name="Title 1"/>
-          <p:cNvSpPr>
-            <a:spLocks noGrp="1"/>
-          </p:cNvSpPr>
-          <p:nvPr>
-            <p:ph type="title"/>
-          </p:nvPr>
-        </p:nvSpPr>
-        <p:spPr/>
-        <p:txBody>
-          <a:bodyPr/>
-          <a:lstStyle/>
-          <a:p>
-            <a:r>
-              <a:rPr lang="en-US" dirty="0" smtClean="0"/>
-              <a:t>To get optimal convergence </a:t>
-            </a:r>
-            <a:r>
-              <a:rPr lang="en-US" sz="2000" dirty="0" smtClean="0"/>
-              <a:t>(2/2)</a:t>
-            </a:r>
-            <a:endParaRPr lang="en-US" dirty="0"/>
-          </a:p>
-        </p:txBody>
-      </p:sp>
-      <p:sp>
-        <p:nvSpPr>
-          <p:cNvPr id="3" name="Content Placeholder 2"/>
-          <p:cNvSpPr>
-            <a:spLocks noGrp="1"/>
-          </p:cNvSpPr>
-          <p:nvPr>
-            <p:ph idx="1"/>
-          </p:nvPr>
-        </p:nvSpPr>
-        <p:spPr>
-          <a:xfrm>
-            <a:off x="581192" y="2043953"/>
-            <a:ext cx="9266896" cy="4661647"/>
-          </a:xfrm>
-        </p:spPr>
-        <p:txBody>
-          <a:bodyPr anchor="t">
-            <a:normAutofit fontScale="92500"/>
-          </a:bodyPr>
-          <a:lstStyle/>
-          <a:p>
-            <a:r>
-              <a:rPr lang="en-US" sz="2400" dirty="0" smtClean="0"/>
-              <a:t>Multilayer of Q table:</a:t>
-            </a:r>
-          </a:p>
-          <a:p>
-            <a:pPr lvl="1"/>
-            <a:r>
-              <a:rPr lang="en-US" sz="2200" dirty="0" smtClean="0"/>
-              <a:t>Differentiate Q tables by extra state (with nothing, </a:t>
-            </a:r>
-            <a:r>
-              <a:rPr lang="en-US" sz="2200" dirty="0" smtClean="0"/>
-              <a:t>with key, with key-chest)</a:t>
-            </a:r>
-            <a:endParaRPr lang="en-US" sz="2200" dirty="0" smtClean="0"/>
-          </a:p>
-          <a:p>
-            <a:r>
-              <a:rPr lang="en-US" sz="2400" dirty="0" smtClean="0"/>
-              <a:t>Dynamic greedy:</a:t>
-            </a:r>
-          </a:p>
-          <a:p>
-            <a:pPr lvl="1"/>
-            <a:r>
-              <a:rPr lang="en-US" sz="2200" dirty="0" smtClean="0"/>
-              <a:t>The greedy increases depending on time in training phase</a:t>
-            </a:r>
-          </a:p>
-          <a:p>
-            <a:r>
-              <a:rPr lang="en-US" sz="2400" dirty="0" smtClean="0"/>
-              <a:t>Rewards and punishments of different elements</a:t>
-            </a:r>
-          </a:p>
-          <a:p>
-            <a:pPr lvl="1"/>
-            <a:r>
-              <a:rPr lang="en-US" sz="2200" dirty="0"/>
-              <a:t>key = 0, chest = 500, exit = 500</a:t>
-            </a:r>
-          </a:p>
-          <a:p>
-            <a:r>
-              <a:rPr lang="en-US" sz="2400" dirty="0" smtClean="0"/>
-              <a:t>When two rewards compete:</a:t>
-            </a:r>
-          </a:p>
-          <a:p>
-            <a:pPr lvl="1"/>
-            <a:r>
-              <a:rPr lang="en-US" sz="2200" dirty="0" smtClean="0"/>
-              <a:t>Store expectation (E) with maximal reward received</a:t>
-            </a:r>
-          </a:p>
-          <a:p>
-            <a:pPr lvl="1"/>
-            <a:r>
-              <a:rPr lang="en-US" sz="2200" dirty="0" smtClean="0"/>
-              <a:t>Proportion of current reward of E </a:t>
-            </a:r>
-            <a:r>
-              <a:rPr lang="en-US" sz="2200" dirty="0"/>
-              <a:t>(e = r/E</a:t>
-            </a:r>
-            <a:r>
-              <a:rPr lang="en-US" sz="2200" dirty="0" smtClean="0"/>
-              <a:t>)</a:t>
-            </a:r>
-          </a:p>
-          <a:p>
-            <a:pPr lvl="1"/>
-            <a:r>
-              <a:rPr lang="en-US" sz="2200" dirty="0" smtClean="0"/>
-              <a:t>Modification of smaller reward (</a:t>
-            </a:r>
-            <a:r>
-              <a:rPr lang="en-US" sz="2200" dirty="0"/>
-              <a:t>(e – p)/</a:t>
-            </a:r>
-            <a:r>
-              <a:rPr lang="en-US" sz="2200" dirty="0" smtClean="0"/>
-              <a:t>p*q)</a:t>
-            </a:r>
-            <a:endParaRPr lang="en-US" sz="2200" dirty="0" smtClean="0"/>
-          </a:p>
-          <a:p>
-            <a:pPr marL="0" indent="0">
-              <a:buNone/>
-            </a:pPr>
-            <a:endParaRPr lang="en-US" sz="2400" dirty="0"/>
-          </a:p>
-        </p:txBody>
-      </p:sp>
-    </p:spTree>
-    <p:extLst>
-      <p:ext uri="{BB962C8B-B14F-4D97-AF65-F5344CB8AC3E}">
-        <p14:creationId xmlns:p14="http://schemas.microsoft.com/office/powerpoint/2010/main" val="4218692479"/>
-      </p:ext>
-    </p:extLst>
-  </p:cSld>
-  <p:clrMapOvr>
-    <a:masterClrMapping/>
-  </p:clrMapOvr>
-  <p:timing>
-    <p:tnLst>
-      <p:par>
-        <p:cTn id="1" dur="indefinite" restart="never" nodeType="tmRoot"/>
-      </p:par>
-    </p:tnLst>
-  </p:timing>
-</p:sld>
-</file>
-
 <file path=ppt/slides/slide14.xml><?xml version="1.0" encoding="utf-8"?>
 <p:sld xmlns:a="http://schemas.openxmlformats.org/drawingml/2006/main" xmlns:r="http://schemas.openxmlformats.org/officeDocument/2006/relationships" xmlns:p="http://schemas.openxmlformats.org/presentationml/2006/main">
   <p:cSld>
@@ -8628,10 +8857,14 @@
           <a:lstStyle/>
           <a:p>
             <a:r>
-              <a:rPr lang="id-ID" smtClean="0"/>
-              <a:t>conclusion</a:t>
-            </a:r>
-            <a:endParaRPr lang="id-ID"/>
+              <a:rPr lang="en-US" dirty="0" smtClean="0"/>
+              <a:t>To get optimal convergence </a:t>
+            </a:r>
+            <a:r>
+              <a:rPr lang="en-US" sz="2000" dirty="0" smtClean="0"/>
+              <a:t>(2/2)</a:t>
+            </a:r>
+            <a:endParaRPr lang="en-US" dirty="0"/>
           </a:p>
         </p:txBody>
       </p:sp>
@@ -8645,33 +8878,111 @@
             <p:ph idx="1"/>
           </p:nvPr>
         </p:nvSpPr>
-        <p:spPr/>
+        <p:spPr>
+          <a:xfrm>
+            <a:off x="581192" y="2043953"/>
+            <a:ext cx="9266896" cy="4661647"/>
+          </a:xfrm>
+        </p:spPr>
         <p:txBody>
-          <a:bodyPr/>
+          <a:bodyPr anchor="t">
+            <a:normAutofit fontScale="92500"/>
+          </a:bodyPr>
           <a:lstStyle/>
           <a:p>
             <a:r>
-              <a:rPr lang="id-ID" dirty="0" smtClean="0"/>
-              <a:t>...</a:t>
-            </a:r>
-            <a:r>
-              <a:rPr lang="nl-NL" dirty="0" smtClean="0"/>
-              <a:t>life is hard </a:t>
-            </a:r>
-            <a:r>
-              <a:rPr lang="nl-NL" dirty="0" smtClean="0">
-                <a:sym typeface="Wingdings" panose="05000000000000000000" pitchFamily="2" charset="2"/>
-              </a:rPr>
-              <a:t></a:t>
-            </a:r>
-            <a:endParaRPr lang="id-ID" dirty="0"/>
+              <a:rPr lang="en-US" sz="2400" dirty="0" smtClean="0"/>
+              <a:t>Multilayer of Q table:</a:t>
+            </a:r>
+          </a:p>
+          <a:p>
+            <a:pPr lvl="1"/>
+            <a:r>
+              <a:rPr lang="en-US" sz="2200" dirty="0" smtClean="0"/>
+              <a:t>Differentiate Q tables by extra state (with nothing, with key, with key-chest)</a:t>
+            </a:r>
+          </a:p>
+          <a:p>
+            <a:r>
+              <a:rPr lang="en-US" sz="2400" dirty="0" smtClean="0"/>
+              <a:t>Dynamic greedy:</a:t>
+            </a:r>
+          </a:p>
+          <a:p>
+            <a:pPr lvl="1"/>
+            <a:r>
+              <a:rPr lang="en-US" sz="2200" dirty="0" smtClean="0"/>
+              <a:t>The greedy increases depending on time in training phase</a:t>
+            </a:r>
+          </a:p>
+          <a:p>
+            <a:r>
+              <a:rPr lang="en-US" sz="2400" dirty="0" smtClean="0"/>
+              <a:t>Rewards and punishments of different elements</a:t>
+            </a:r>
+          </a:p>
+          <a:p>
+            <a:pPr lvl="1"/>
+            <a:r>
+              <a:rPr lang="en-US" sz="2200" dirty="0"/>
+              <a:t>key = 0, chest = 500, exit = 500</a:t>
+            </a:r>
+          </a:p>
+          <a:p>
+            <a:r>
+              <a:rPr lang="en-US" sz="2400" dirty="0" smtClean="0"/>
+              <a:t>When two rewards compete:</a:t>
+            </a:r>
+          </a:p>
+          <a:p>
+            <a:pPr lvl="1"/>
+            <a:r>
+              <a:rPr lang="en-US" sz="2200" dirty="0" smtClean="0"/>
+              <a:t>Store expectation (E) with maximal reward received</a:t>
+            </a:r>
+          </a:p>
+          <a:p>
+            <a:pPr lvl="1"/>
+            <a:r>
+              <a:rPr lang="en-US" sz="2200" dirty="0" smtClean="0"/>
+              <a:t>Proportion of current reward of E </a:t>
+            </a:r>
+            <a:r>
+              <a:rPr lang="en-US" sz="2200" dirty="0"/>
+              <a:t>(e = r/E</a:t>
+            </a:r>
+            <a:r>
+              <a:rPr lang="en-US" sz="2200" dirty="0" smtClean="0"/>
+              <a:t>)</a:t>
+            </a:r>
+          </a:p>
+          <a:p>
+            <a:pPr lvl="1"/>
+            <a:r>
+              <a:rPr lang="en-US" sz="2200" dirty="0" smtClean="0"/>
+              <a:t>Modification of smaller reward (</a:t>
+            </a:r>
+            <a:r>
+              <a:rPr lang="en-US" sz="2200" dirty="0"/>
+              <a:t>(e – p)/</a:t>
+            </a:r>
+            <a:r>
+              <a:rPr lang="en-US" sz="2200" dirty="0" smtClean="0"/>
+              <a:t>p*q)</a:t>
+            </a:r>
+          </a:p>
+          <a:p>
+            <a:pPr marL="0" indent="0">
+              <a:buNone/>
+            </a:pPr>
+            <a:endParaRPr lang="en-US" sz="2400" dirty="0"/>
           </a:p>
         </p:txBody>
       </p:sp>
     </p:spTree>
     <p:extLst>
       <p:ext uri="{BB962C8B-B14F-4D97-AF65-F5344CB8AC3E}">
-        <p14:creationId xmlns:p14="http://schemas.microsoft.com/office/powerpoint/2010/main" val="258283252"/>
+        <p14:creationId xmlns:p14="http://schemas.microsoft.com/office/powerpoint/2010/main" val="4218692479"/>
       </p:ext>
     </p:extLst>
   </p:cSld>
@@ -8707,12 +9018,12 @@
       </p:grpSpPr>
       <p:sp>
         <p:nvSpPr>
-          <p:cNvPr id="2" name="標題 1"/>
+          <p:cNvPr id="2" name="Title 1"/>
           <p:cNvSpPr>
             <a:spLocks noGrp="1"/>
           </p:cNvSpPr>
           <p:nvPr>
-            <p:ph type="ctrTitle"/>
+            <p:ph type="title"/>
           </p:nvPr>
         </p:nvSpPr>
         <p:spPr/>
@@ -8722,35 +9033,196 @@
           <a:p>
             <a:r>
               <a:rPr lang="en-US" dirty="0" smtClean="0"/>
-              <a:t>Q&amp;A</a:t>
+              <a:t>Different patterns</a:t>
             </a:r>
             <a:endParaRPr lang="en-US" dirty="0"/>
           </a:p>
         </p:txBody>
       </p:sp>
-      <p:sp>
-        <p:nvSpPr>
-          <p:cNvPr id="3" name="副標題 2"/>
-          <p:cNvSpPr>
-            <a:spLocks noGrp="1"/>
-          </p:cNvSpPr>
-          <p:nvPr>
-            <p:ph type="subTitle" idx="1"/>
-          </p:nvPr>
-        </p:nvSpPr>
-        <p:spPr/>
+      <p:pic>
+        <p:nvPicPr>
+          <p:cNvPr id="5" name="Picture 4"/>
+          <p:cNvPicPr>
+            <a:picLocks noChangeAspect="1"/>
+          </p:cNvPicPr>
+          <p:nvPr/>
+        </p:nvPicPr>
+        <p:blipFill>
+          <a:blip r:embed="rId2">
+            <a:extLst>
+              <a:ext uri="{28A0092B-C50C-407E-A947-70E740481C1C}">
+                <a14:useLocalDpi xmlns:a14="http://schemas.microsoft.com/office/drawing/2010/main" val="0"/>
+              </a:ext>
+            </a:extLst>
+          </a:blip>
+          <a:stretch>
+            <a:fillRect/>
+          </a:stretch>
+        </p:blipFill>
+        <p:spPr>
+          <a:xfrm>
+            <a:off x="4013784" y="2559203"/>
+            <a:ext cx="3520873" cy="2640655"/>
+          </a:xfrm>
+          <a:prstGeom prst="rect">
+            <a:avLst/>
+          </a:prstGeom>
+        </p:spPr>
+      </p:pic>
+      <p:pic>
+        <p:nvPicPr>
+          <p:cNvPr id="6" name="Picture 5"/>
+          <p:cNvPicPr>
+            <a:picLocks noChangeAspect="1"/>
+          </p:cNvPicPr>
+          <p:nvPr/>
+        </p:nvPicPr>
+        <p:blipFill>
+          <a:blip r:embed="rId3">
+            <a:extLst>
+              <a:ext uri="{28A0092B-C50C-407E-A947-70E740481C1C}">
+                <a14:useLocalDpi xmlns:a14="http://schemas.microsoft.com/office/drawing/2010/main" val="0"/>
+              </a:ext>
+            </a:extLst>
+          </a:blip>
+          <a:stretch>
+            <a:fillRect/>
+          </a:stretch>
+        </p:blipFill>
+        <p:spPr>
+          <a:xfrm>
+            <a:off x="454046" y="2549487"/>
+            <a:ext cx="3546783" cy="2660088"/>
+          </a:xfrm>
+          <a:prstGeom prst="rect">
+            <a:avLst/>
+          </a:prstGeom>
+        </p:spPr>
+      </p:pic>
+      <p:pic>
+        <p:nvPicPr>
+          <p:cNvPr id="7" name="Picture 6"/>
+          <p:cNvPicPr>
+            <a:picLocks noChangeAspect="1"/>
+          </p:cNvPicPr>
+          <p:nvPr/>
+        </p:nvPicPr>
+        <p:blipFill>
+          <a:blip r:embed="rId4">
+            <a:extLst>
+              <a:ext uri="{28A0092B-C50C-407E-A947-70E740481C1C}">
+                <a14:useLocalDpi xmlns:a14="http://schemas.microsoft.com/office/drawing/2010/main" val="0"/>
+              </a:ext>
+            </a:extLst>
+          </a:blip>
+          <a:stretch>
+            <a:fillRect/>
+          </a:stretch>
+        </p:blipFill>
+        <p:spPr>
+          <a:xfrm>
+            <a:off x="7534657" y="2549487"/>
+            <a:ext cx="3546784" cy="2660088"/>
+          </a:xfrm>
+          <a:prstGeom prst="rect">
+            <a:avLst/>
+          </a:prstGeom>
+        </p:spPr>
+      </p:pic>
+      <p:sp>
+        <p:nvSpPr>
+          <p:cNvPr id="9" name="TextBox 8"/>
+          <p:cNvSpPr txBox="1"/>
+          <p:nvPr/>
+        </p:nvSpPr>
+        <p:spPr>
+          <a:xfrm>
+            <a:off x="874806" y="2374537"/>
+            <a:ext cx="1810694" cy="369332"/>
+          </a:xfrm>
+          <a:prstGeom prst="rect">
+            <a:avLst/>
+          </a:prstGeom>
+          <a:noFill/>
+        </p:spPr>
         <p:txBody>
-          <a:bodyPr/>
+          <a:bodyPr wrap="square" rtlCol="0">
+            <a:spAutoFit/>
+          </a:bodyPr>
           <a:lstStyle/>
           <a:p>
-            <a:endParaRPr lang="en-US"/>
+            <a:r>
+              <a:rPr lang="en-US" dirty="0" smtClean="0"/>
+              <a:t>rewards</a:t>
+            </a:r>
+            <a:endParaRPr lang="en-US" dirty="0"/>
+          </a:p>
+        </p:txBody>
+      </p:sp>
+      <p:sp>
+        <p:nvSpPr>
+          <p:cNvPr id="11" name="TextBox 10"/>
+          <p:cNvSpPr txBox="1"/>
+          <p:nvPr/>
+        </p:nvSpPr>
+        <p:spPr>
+          <a:xfrm>
+            <a:off x="4421589" y="2364820"/>
+            <a:ext cx="1810694" cy="369332"/>
+          </a:xfrm>
+          <a:prstGeom prst="rect">
+            <a:avLst/>
+          </a:prstGeom>
+          <a:noFill/>
+        </p:spPr>
+        <p:txBody>
+          <a:bodyPr wrap="square" rtlCol="0">
+            <a:spAutoFit/>
+          </a:bodyPr>
+          <a:lstStyle/>
+          <a:p>
+            <a:r>
+              <a:rPr lang="en-US" dirty="0" smtClean="0"/>
+              <a:t>rewards</a:t>
+            </a:r>
+            <a:endParaRPr lang="en-US" dirty="0"/>
+          </a:p>
+        </p:txBody>
+      </p:sp>
+      <p:sp>
+        <p:nvSpPr>
+          <p:cNvPr id="12" name="TextBox 11"/>
+          <p:cNvSpPr txBox="1"/>
+          <p:nvPr/>
+        </p:nvSpPr>
+        <p:spPr>
+          <a:xfrm>
+            <a:off x="7942462" y="2374537"/>
+            <a:ext cx="1810694" cy="369332"/>
+          </a:xfrm>
+          <a:prstGeom prst="rect">
+            <a:avLst/>
+          </a:prstGeom>
+          <a:noFill/>
+        </p:spPr>
+        <p:txBody>
+          <a:bodyPr wrap="square" rtlCol="0">
+            <a:spAutoFit/>
+          </a:bodyPr>
+          <a:lstStyle/>
+          <a:p>
+            <a:r>
+              <a:rPr lang="en-US" dirty="0" smtClean="0"/>
+              <a:t>rewards</a:t>
+            </a:r>
+            <a:endParaRPr lang="en-US" dirty="0"/>
           </a:p>
         </p:txBody>
       </p:sp>
     </p:spTree>
     <p:extLst>
       <p:ext uri="{BB962C8B-B14F-4D97-AF65-F5344CB8AC3E}">
-        <p14:creationId xmlns:p14="http://schemas.microsoft.com/office/powerpoint/2010/main" val="1951740005"/>
+        <p14:creationId xmlns:p14="http://schemas.microsoft.com/office/powerpoint/2010/main" val="2179287328"/>
       </p:ext>
     </p:extLst>
   </p:cSld>
@@ -8784,10 +9256,52 @@
           <a:chExt cx="0" cy="0"/>
         </a:xfrm>
       </p:grpSpPr>
+      <p:sp>
+        <p:nvSpPr>
+          <p:cNvPr id="2" name="標題 1"/>
+          <p:cNvSpPr>
+            <a:spLocks noGrp="1"/>
+          </p:cNvSpPr>
+          <p:nvPr>
+            <p:ph type="ctrTitle"/>
+          </p:nvPr>
+        </p:nvSpPr>
+        <p:spPr/>
+        <p:txBody>
+          <a:bodyPr/>
+          <a:lstStyle/>
+          <a:p>
+            <a:r>
+              <a:rPr lang="en-US" dirty="0" smtClean="0"/>
+              <a:t>Q&amp;A</a:t>
+            </a:r>
+            <a:endParaRPr lang="en-US" dirty="0"/>
+          </a:p>
+        </p:txBody>
+      </p:sp>
+      <p:sp>
+        <p:nvSpPr>
+          <p:cNvPr id="3" name="副標題 2"/>
+          <p:cNvSpPr>
+            <a:spLocks noGrp="1"/>
+          </p:cNvSpPr>
+          <p:nvPr>
+            <p:ph type="subTitle" idx="1"/>
+          </p:nvPr>
+        </p:nvSpPr>
+        <p:spPr/>
+        <p:txBody>
+          <a:bodyPr/>
+          <a:lstStyle/>
+          <a:p>
+            <a:endParaRPr lang="en-US"/>
+          </a:p>
+        </p:txBody>
+      </p:sp>
     </p:spTree>
     <p:extLst>
       <p:ext uri="{BB962C8B-B14F-4D97-AF65-F5344CB8AC3E}">
-        <p14:creationId xmlns:p14="http://schemas.microsoft.com/office/powerpoint/2010/main" val="3695715138"/>
+        <p14:creationId xmlns:p14="http://schemas.microsoft.com/office/powerpoint/2010/main" val="1951740005"/>
       </p:ext>
     </p:extLst>
   </p:cSld>
@@ -8840,81 +9354,6 @@
           </a:p>
         </p:txBody>
       </p:sp>
-      <p:sp>
-        <p:nvSpPr>
-          <p:cNvPr id="3" name="內容版面配置區 2"/>
-          <p:cNvSpPr>
-            <a:spLocks noGrp="1"/>
-          </p:cNvSpPr>
-          <p:nvPr>
-            <p:ph idx="1"/>
-          </p:nvPr>
-        </p:nvSpPr>
-        <p:spPr/>
-        <p:txBody>
-          <a:bodyPr/>
-          <a:lstStyle/>
-          <a:p>
-            <a:endParaRPr lang="en-US"/>
-          </a:p>
-        </p:txBody>
-      </p:sp>
-    </p:spTree>
-    <p:extLst>
-      <p:ext uri="{BB962C8B-B14F-4D97-AF65-F5344CB8AC3E}">
-        <p14:creationId xmlns:p14="http://schemas.microsoft.com/office/powerpoint/2010/main" val="391340433"/>
-      </p:ext>
-    </p:extLst>
-  </p:cSld>
-  <p:clrMapOvr>
-    <a:masterClrMapping/>
-  </p:clrMapOvr>
-  <p:timing>
-    <p:tnLst>
-      <p:par>
-        <p:cTn id="1" dur="indefinite" restart="never" nodeType="tmRoot"/>
-      </p:par>
-    </p:tnLst>
-  </p:timing>
-</p:sld>
-</file>
-
-<file path=ppt/slides/slide18.xml><?xml version="1.0" encoding="utf-8"?>
-<p:sld xmlns:a="http://schemas.openxmlformats.org/drawingml/2006/main" xmlns:r="http://schemas.openxmlformats.org/officeDocument/2006/relationships" xmlns:p="http://schemas.openxmlformats.org/presentationml/2006/main">
-  <p:cSld>
-    <p:spTree>
-      <p:nvGrpSpPr>
-        <p:cNvPr id="1" name=""/>
-        <p:cNvGrpSpPr/>
-        <p:nvPr/>
-      </p:nvGrpSpPr>
-      <p:grpSpPr>
-        <a:xfrm>
-          <a:off x="0" y="0"/>
-          <a:ext cx="0" cy="0"/>
-          <a:chOff x="0" y="0"/>
-          <a:chExt cx="0" cy="0"/>
-        </a:xfrm>
-      </p:grpSpPr>
-      <p:sp>
-        <p:nvSpPr>
-          <p:cNvPr id="2" name="標題 1"/>
-          <p:cNvSpPr>
-            <a:spLocks noGrp="1"/>
-          </p:cNvSpPr>
-          <p:nvPr>
-            <p:ph type="title"/>
-          </p:nvPr>
-        </p:nvSpPr>
-        <p:spPr/>
-        <p:txBody>
-          <a:bodyPr/>
-          <a:lstStyle/>
-          <a:p>
-            <a:endParaRPr lang="en-US"/>
-          </a:p>
-        </p:txBody>
-      </p:sp>
       <p:pic>
         <p:nvPicPr>
           <p:cNvPr id="4" name="內容版面配置區 3"/>
@@ -8964,7 +9403,7 @@
 </p:sld>
 </file>
 
-<file path=ppt/slides/slide19.xml><?xml version="1.0" encoding="utf-8"?>
+<file path=ppt/slides/slide18.xml><?xml version="1.0" encoding="utf-8"?>
 <p:sld xmlns:a="http://schemas.openxmlformats.org/drawingml/2006/main" xmlns:r="http://schemas.openxmlformats.org/officeDocument/2006/relationships" xmlns:p="http://schemas.openxmlformats.org/presentationml/2006/main">
   <p:cSld>
     <p:spTree>
@@ -9145,11 +9584,7 @@
           <a:p>
             <a:r>
               <a:rPr lang="en-US" sz="3200" dirty="0" smtClean="0"/>
-              <a:t>Learning from </a:t>
-            </a:r>
-            <a:r>
-              <a:rPr lang="en-US" sz="3200" dirty="0" smtClean="0"/>
-              <a:t>maze with unknown content </a:t>
+              <a:t>Learning from maze with unknown content </a:t>
             </a:r>
             <a:r>
               <a:rPr lang="en-US" sz="3200" dirty="0"/>
@@ -9167,261 +9602,6 @@
     <p:extLst>
       <p:ext uri="{BB962C8B-B14F-4D97-AF65-F5344CB8AC3E}">
         <p14:creationId xmlns:p14="http://schemas.microsoft.com/office/powerpoint/2010/main" val="888589309"/>
-      </p:ext>
-    </p:extLst>
-  </p:cSld>
-  <p:clrMapOvr>
-    <a:masterClrMapping/>
-  </p:clrMapOvr>
-  <p:timing>
-    <p:tnLst>
-      <p:par>
-        <p:cTn id="1" dur="indefinite" restart="never" nodeType="tmRoot"/>
-      </p:par>
-    </p:tnLst>
-  </p:timing>
-</p:sld>
-</file>
-
-<file path=ppt/slides/slide20.xml><?xml version="1.0" encoding="utf-8"?>
-<p:sld xmlns:a="http://schemas.openxmlformats.org/drawingml/2006/main" xmlns:r="http://schemas.openxmlformats.org/officeDocument/2006/relationships" xmlns:p="http://schemas.openxmlformats.org/presentationml/2006/main">
-  <p:cSld>
-    <p:spTree>
-      <p:nvGrpSpPr>
-        <p:cNvPr id="1" name=""/>
-        <p:cNvGrpSpPr/>
-        <p:nvPr/>
-      </p:nvGrpSpPr>
-      <p:grpSpPr>
-        <a:xfrm>
-          <a:off x="0" y="0"/>
-          <a:ext cx="0" cy="0"/>
-          <a:chOff x="0" y="0"/>
-          <a:chExt cx="0" cy="0"/>
-        </a:xfrm>
-      </p:grpSpPr>
-      <p:sp>
-        <p:nvSpPr>
-          <p:cNvPr id="2" name="標題 1"/>
-          <p:cNvSpPr>
-            <a:spLocks noGrp="1"/>
-          </p:cNvSpPr>
-          <p:nvPr>
-            <p:ph type="title"/>
-          </p:nvPr>
-        </p:nvSpPr>
-        <p:spPr/>
-        <p:txBody>
-          <a:bodyPr/>
-          <a:lstStyle/>
-          <a:p>
-            <a:endParaRPr lang="en-US"/>
-          </a:p>
-        </p:txBody>
-      </p:sp>
-      <p:sp>
-        <p:nvSpPr>
-          <p:cNvPr id="3" name="內容版面配置區 2"/>
-          <p:cNvSpPr>
-            <a:spLocks noGrp="1"/>
-          </p:cNvSpPr>
-          <p:nvPr>
-            <p:ph idx="1"/>
-          </p:nvPr>
-        </p:nvSpPr>
-        <p:spPr/>
-        <p:txBody>
-          <a:bodyPr/>
-          <a:lstStyle/>
-          <a:p>
-            <a:endParaRPr lang="en-US" dirty="0"/>
-          </a:p>
-        </p:txBody>
-      </p:sp>
-      <p:pic>
-        <p:nvPicPr>
-          <p:cNvPr id="4" name="圖片 3"/>
-          <p:cNvPicPr>
-            <a:picLocks noChangeAspect="1"/>
-          </p:cNvPicPr>
-          <p:nvPr/>
-        </p:nvPicPr>
-        <p:blipFill>
-          <a:blip r:embed="rId2">
-            <a:extLst>
-              <a:ext uri="{28A0092B-C50C-407E-A947-70E740481C1C}">
-                <a14:useLocalDpi xmlns:a14="http://schemas.microsoft.com/office/drawing/2010/main" val="0"/>
-              </a:ext>
-            </a:extLst>
-          </a:blip>
-          <a:stretch>
-            <a:fillRect/>
-          </a:stretch>
-        </p:blipFill>
-        <p:spPr>
-          <a:xfrm>
-            <a:off x="8819301" y="1533961"/>
-            <a:ext cx="3089109" cy="2316832"/>
-          </a:xfrm>
-          <a:prstGeom prst="rect">
-            <a:avLst/>
-          </a:prstGeom>
-        </p:spPr>
-      </p:pic>
-      <p:pic>
-        <p:nvPicPr>
-          <p:cNvPr id="5" name="圖片 4"/>
-          <p:cNvPicPr>
-            <a:picLocks noChangeAspect="1"/>
-          </p:cNvPicPr>
-          <p:nvPr/>
-        </p:nvPicPr>
-        <p:blipFill>
-          <a:blip r:embed="rId3">
-            <a:extLst>
-              <a:ext uri="{28A0092B-C50C-407E-A947-70E740481C1C}">
-                <a14:useLocalDpi xmlns:a14="http://schemas.microsoft.com/office/drawing/2010/main" val="0"/>
-              </a:ext>
-            </a:extLst>
-          </a:blip>
-          <a:stretch>
-            <a:fillRect/>
-          </a:stretch>
-        </p:blipFill>
-        <p:spPr>
-          <a:xfrm>
-            <a:off x="8734911" y="3850793"/>
-            <a:ext cx="3024698" cy="2268524"/>
-          </a:xfrm>
-          <a:prstGeom prst="rect">
-            <a:avLst/>
-          </a:prstGeom>
-        </p:spPr>
-      </p:pic>
-      <p:pic>
-        <p:nvPicPr>
-          <p:cNvPr id="6" name="圖片 5"/>
-          <p:cNvPicPr>
-            <a:picLocks noChangeAspect="1"/>
-          </p:cNvPicPr>
-          <p:nvPr/>
-        </p:nvPicPr>
-        <p:blipFill>
-          <a:blip r:embed="rId4">
-            <a:extLst>
-              <a:ext uri="{28A0092B-C50C-407E-A947-70E740481C1C}">
-                <a14:useLocalDpi xmlns:a14="http://schemas.microsoft.com/office/drawing/2010/main" val="0"/>
-              </a:ext>
-            </a:extLst>
-          </a:blip>
-          <a:stretch>
-            <a:fillRect/>
-          </a:stretch>
-        </p:blipFill>
-        <p:spPr>
-          <a:xfrm>
-            <a:off x="4480315" y="1582269"/>
-            <a:ext cx="3024698" cy="2268524"/>
-          </a:xfrm>
-          <a:prstGeom prst="rect">
-            <a:avLst/>
-          </a:prstGeom>
-        </p:spPr>
-      </p:pic>
-      <p:pic>
-        <p:nvPicPr>
-          <p:cNvPr id="7" name="圖片 6"/>
-          <p:cNvPicPr>
-            <a:picLocks noChangeAspect="1"/>
-          </p:cNvPicPr>
-          <p:nvPr/>
-        </p:nvPicPr>
-        <p:blipFill>
-          <a:blip r:embed="rId5">
-            <a:extLst>
-              <a:ext uri="{28A0092B-C50C-407E-A947-70E740481C1C}">
-                <a14:useLocalDpi xmlns:a14="http://schemas.microsoft.com/office/drawing/2010/main" val="0"/>
-              </a:ext>
-            </a:extLst>
-          </a:blip>
-          <a:stretch>
-            <a:fillRect/>
-          </a:stretch>
-        </p:blipFill>
-        <p:spPr>
-          <a:xfrm>
-            <a:off x="4480315" y="4002749"/>
-            <a:ext cx="3024698" cy="2268524"/>
-          </a:xfrm>
-          <a:prstGeom prst="rect">
-            <a:avLst/>
-          </a:prstGeom>
-        </p:spPr>
-      </p:pic>
-      <p:pic>
-        <p:nvPicPr>
-          <p:cNvPr id="8" name="圖片 7"/>
-          <p:cNvPicPr>
-            <a:picLocks noChangeAspect="1"/>
-          </p:cNvPicPr>
-          <p:nvPr/>
-        </p:nvPicPr>
-        <p:blipFill>
-          <a:blip r:embed="rId6">
-            <a:extLst>
-              <a:ext uri="{28A0092B-C50C-407E-A947-70E740481C1C}">
-                <a14:useLocalDpi xmlns:a14="http://schemas.microsoft.com/office/drawing/2010/main" val="0"/>
-              </a:ext>
-            </a:extLst>
-          </a:blip>
-          <a:stretch>
-            <a:fillRect/>
-          </a:stretch>
-        </p:blipFill>
-        <p:spPr>
-          <a:xfrm>
-            <a:off x="782370" y="1355549"/>
-            <a:ext cx="3024698" cy="2268524"/>
-          </a:xfrm>
-          <a:prstGeom prst="rect">
-            <a:avLst/>
-          </a:prstGeom>
-        </p:spPr>
-      </p:pic>
-      <p:pic>
-        <p:nvPicPr>
-          <p:cNvPr id="9" name="圖片 8"/>
-          <p:cNvPicPr>
-            <a:picLocks noChangeAspect="1"/>
-          </p:cNvPicPr>
-          <p:nvPr/>
-        </p:nvPicPr>
-        <p:blipFill>
-          <a:blip r:embed="rId7">
-            <a:extLst>
-              <a:ext uri="{28A0092B-C50C-407E-A947-70E740481C1C}">
-                <a14:useLocalDpi xmlns:a14="http://schemas.microsoft.com/office/drawing/2010/main" val="0"/>
-              </a:ext>
-            </a:extLst>
-          </a:blip>
-          <a:stretch>
-            <a:fillRect/>
-          </a:stretch>
-        </p:blipFill>
-        <p:spPr>
-          <a:xfrm>
-            <a:off x="782370" y="3590275"/>
-            <a:ext cx="3024698" cy="2268524"/>
-          </a:xfrm>
-          <a:prstGeom prst="rect">
-            <a:avLst/>
-          </a:prstGeom>
-        </p:spPr>
-      </p:pic>
-    </p:spTree>
-    <p:extLst>
-      <p:ext uri="{BB962C8B-B14F-4D97-AF65-F5344CB8AC3E}">
-        <p14:creationId xmlns:p14="http://schemas.microsoft.com/office/powerpoint/2010/main" val="4095969915"/>
       </p:ext>
     </p:extLst>
   </p:cSld>
@@ -9562,11 +9742,7 @@
             </a:r>
             <a:r>
               <a:rPr lang="id-ID" sz="3200" i="1" dirty="0" smtClean="0"/>
-              <a:t> </a:t>
-            </a:r>
-            <a:r>
-              <a:rPr lang="id-ID" sz="3200" i="1" dirty="0" smtClean="0"/>
-              <a:t>that takes actions in an </a:t>
+              <a:t> that takes actions in an </a:t>
             </a:r>
             <a:r>
               <a:rPr lang="id-ID" sz="3200" i="1" dirty="0" smtClean="0">
@@ -9933,11 +10109,7 @@
             </a:r>
             <a:r>
               <a:rPr lang="nl-NL" sz="2400" dirty="0" smtClean="0"/>
-              <a:t> </a:t>
-            </a:r>
-            <a:r>
-              <a:rPr lang="nl-NL" sz="2400" dirty="0" smtClean="0"/>
-              <a:t>in the maze:</a:t>
+              <a:t> in the maze:</a:t>
             </a:r>
           </a:p>
           <a:p>
@@ -9977,11 +10149,7 @@
             </a:pPr>
             <a:r>
               <a:rPr lang="nl-NL" sz="2400" dirty="0" smtClean="0"/>
-              <a:t>Pairwise keys -&gt; </a:t>
-            </a:r>
-            <a:r>
-              <a:rPr lang="nl-NL" sz="2400" dirty="0" smtClean="0"/>
-              <a:t>chests</a:t>
+              <a:t>Pairwise keys -&gt; chests</a:t>
             </a:r>
             <a:r>
               <a:rPr lang="zh-TW" altLang="en-US" sz="2400" dirty="0" smtClean="0"/>
@@ -10767,19 +10935,7 @@
             </a:pPr>
             <a:r>
               <a:rPr lang="nl-NL" sz="2200" dirty="0" smtClean="0"/>
-              <a:t>Pairwise </a:t>
-            </a:r>
-            <a:r>
-              <a:rPr lang="nl-NL" sz="2200" dirty="0" smtClean="0"/>
-              <a:t>keys (0) </a:t>
-            </a:r>
-            <a:r>
-              <a:rPr lang="nl-NL" sz="2200" dirty="0" smtClean="0"/>
-              <a:t>-&gt; </a:t>
-            </a:r>
-            <a:r>
-              <a:rPr lang="nl-NL" sz="2200" dirty="0" smtClean="0"/>
-              <a:t>chests</a:t>
+              <a:t>Pairwise keys (0) -&gt; chests</a:t>
             </a:r>
             <a:r>
               <a:rPr lang="zh-TW" altLang="en-US" sz="2200" dirty="0" smtClean="0"/>
@@ -11767,11 +11923,7 @@
           <a:p>
             <a:r>
               <a:rPr lang="en-US" sz="2400" dirty="0" smtClean="0"/>
-              <a:t>Get </a:t>
-            </a:r>
-            <a:r>
-              <a:rPr lang="en-US" sz="2400" dirty="0" smtClean="0"/>
-              <a:t>maximal </a:t>
+              <a:t>Get maximal </a:t>
             </a:r>
             <a:r>
               <a:rPr lang="en-US" sz="2400" u="sng" dirty="0" smtClean="0"/>
@@ -13618,7 +13770,6 @@
               <a:rPr lang="nl-NL" sz="2600" dirty="0" smtClean="0"/>
               <a:t>Walls, pits, key-chest, exit, size</a:t>
             </a:r>
-            <a:endParaRPr lang="nl-NL" sz="2600" dirty="0" smtClean="0"/>
           </a:p>
           <a:p>
             <a:r>
@@ -13632,7 +13783,6 @@
               <a:rPr lang="nl-NL" sz="2600" dirty="0" smtClean="0"/>
               <a:t>learning before consuming all steps</a:t>
             </a:r>
-            <a:endParaRPr lang="nl-NL" sz="2600" dirty="0" smtClean="0"/>
           </a:p>
           <a:p>
             <a:r>
@@ -13721,7 +13871,12 @@
             <p:ph type="title"/>
           </p:nvPr>
         </p:nvSpPr>
-        <p:spPr/>
+        <p:spPr>
+          <a:xfrm>
+            <a:off x="454445" y="3605226"/>
+            <a:ext cx="11029615" cy="1497507"/>
+          </a:xfrm>
+        </p:spPr>
         <p:txBody>
           <a:bodyPr/>
           <a:lstStyle/>
@@ -13731,25 +13886,6 @@
               <a:t>Results</a:t>
             </a:r>
             <a:endParaRPr lang="en-US" dirty="0"/>
-          </a:p>
-        </p:txBody>
-      </p:sp>
-      <p:sp>
-        <p:nvSpPr>
-          <p:cNvPr id="3" name="文字版面配置區 2"/>
-          <p:cNvSpPr>
-            <a:spLocks noGrp="1"/>
-          </p:cNvSpPr>
-          <p:nvPr>
-            <p:ph type="body" idx="1"/>
-          </p:nvPr>
-        </p:nvSpPr>
-        <p:spPr/>
-        <p:txBody>
-          <a:bodyPr/>
-          <a:lstStyle/>
-          <a:p>
-            <a:endParaRPr lang="en-US"/>
           </a:p>
         </p:txBody>
       </p:sp>

--- a/Group Presentation 20180125.pptx
+++ b/Group Presentation 20180125.pptx
@@ -5901,11 +5901,11 @@
           <a:p>
             <a:r>
               <a:rPr lang="nl-NL" dirty="0" smtClean="0"/>
-              <a:t>It </a:t>
+              <a:t>It is </a:t>
             </a:r>
             <a:r>
               <a:rPr lang="nl-NL" dirty="0" err="1" smtClean="0"/>
-              <a:t>scares</a:t>
+              <a:t>scared</a:t>
             </a:r>
             <a:r>
               <a:rPr lang="nl-NL" dirty="0" smtClean="0"/>
@@ -8028,11 +8028,7 @@
           <a:p>
             <a:r>
               <a:rPr lang="en-US" sz="2400" dirty="0" smtClean="0"/>
-              <a:t>One Q </a:t>
-            </a:r>
-            <a:r>
-              <a:rPr lang="en-US" sz="2400" dirty="0" smtClean="0"/>
-              <a:t>table is too simple:</a:t>
+              <a:t>One Q table is too simple:</a:t>
             </a:r>
           </a:p>
           <a:p>
@@ -8968,8 +8964,13 @@
             </a:r>
             <a:r>
               <a:rPr lang="en-US" sz="2200" dirty="0" smtClean="0"/>
-              <a:t>p*q)</a:t>
-            </a:r>
+              <a:t>p*q</a:t>
+            </a:r>
+            <a:r>
+              <a:rPr lang="en-US" sz="2200" dirty="0" smtClean="0"/>
+              <a:t>))</a:t>
+            </a:r>
+            <a:endParaRPr lang="en-US" sz="2200" dirty="0" smtClean="0"/>
           </a:p>
           <a:p>
             <a:pPr marL="0" indent="0">
@@ -10290,7 +10291,303 @@
   <p:timing>
     <p:tnLst>
       <p:par>
-        <p:cTn id="1" dur="indefinite" restart="never" nodeType="tmRoot"/>
+        <p:cTn id="1" dur="indefinite" restart="never" nodeType="tmRoot">
+          <p:childTnLst>
+            <p:seq concurrent="1" nextAc="seek">
+              <p:cTn id="2" dur="indefinite" nodeType="mainSeq">
+                <p:childTnLst>
+                  <p:par>
+                    <p:cTn id="3" fill="hold">
+                      <p:stCondLst>
+                        <p:cond delay="indefinite"/>
+                      </p:stCondLst>
+                      <p:childTnLst>
+                        <p:par>
+                          <p:cTn id="4" fill="hold">
+                            <p:stCondLst>
+                              <p:cond delay="0"/>
+                            </p:stCondLst>
+                            <p:childTnLst>
+                              <p:par>
+                                <p:cTn id="5" presetID="2" presetClass="entr" presetSubtype="4" fill="hold" nodeType="clickEffect">
+                                  <p:stCondLst>
+                                    <p:cond delay="0"/>
+                                  </p:stCondLst>
+                                  <p:childTnLst>
+                                    <p:set>
+                                      <p:cBhvr>
+                                        <p:cTn id="6" dur="1" fill="hold">
+                                          <p:stCondLst>
+                                            <p:cond delay="0"/>
+                                          </p:stCondLst>
+                                        </p:cTn>
+                                        <p:tgtEl>
+                                          <p:spTgt spid="5"/>
+                                        </p:tgtEl>
+                                        <p:attrNameLst>
+                                          <p:attrName>style.visibility</p:attrName>
+                                        </p:attrNameLst>
+                                      </p:cBhvr>
+                                      <p:to>
+                                        <p:strVal val="visible"/>
+                                      </p:to>
+                                    </p:set>
+                                    <p:anim calcmode="lin" valueType="num">
+                                      <p:cBhvr additive="base">
+                                        <p:cTn id="7" dur="500" fill="hold"/>
+                                        <p:tgtEl>
+                                          <p:spTgt spid="5"/>
+                                        </p:tgtEl>
+                                        <p:attrNameLst>
+                                          <p:attrName>ppt_x</p:attrName>
+                                        </p:attrNameLst>
+                                      </p:cBhvr>
+                                      <p:tavLst>
+                                        <p:tav tm="0">
+                                          <p:val>
+                                            <p:strVal val="#ppt_x"/>
+                                          </p:val>
+                                        </p:tav>
+                                        <p:tav tm="100000">
+                                          <p:val>
+                                            <p:strVal val="#ppt_x"/>
+                                          </p:val>
+                                        </p:tav>
+                                      </p:tavLst>
+                                    </p:anim>
+                                    <p:anim calcmode="lin" valueType="num">
+                                      <p:cBhvr additive="base">
+                                        <p:cTn id="8" dur="500" fill="hold"/>
+                                        <p:tgtEl>
+                                          <p:spTgt spid="5"/>
+                                        </p:tgtEl>
+                                        <p:attrNameLst>
+                                          <p:attrName>ppt_y</p:attrName>
+                                        </p:attrNameLst>
+                                      </p:cBhvr>
+                                      <p:tavLst>
+                                        <p:tav tm="0">
+                                          <p:val>
+                                            <p:strVal val="1+#ppt_h/2"/>
+                                          </p:val>
+                                        </p:tav>
+                                        <p:tav tm="100000">
+                                          <p:val>
+                                            <p:strVal val="#ppt_y"/>
+                                          </p:val>
+                                        </p:tav>
+                                      </p:tavLst>
+                                    </p:anim>
+                                  </p:childTnLst>
+                                </p:cTn>
+                              </p:par>
+                            </p:childTnLst>
+                          </p:cTn>
+                        </p:par>
+                      </p:childTnLst>
+                    </p:cTn>
+                  </p:par>
+                  <p:par>
+                    <p:cTn id="9" fill="hold">
+                      <p:stCondLst>
+                        <p:cond delay="indefinite"/>
+                      </p:stCondLst>
+                      <p:childTnLst>
+                        <p:par>
+                          <p:cTn id="10" fill="hold">
+                            <p:stCondLst>
+                              <p:cond delay="0"/>
+                            </p:stCondLst>
+                            <p:childTnLst>
+                              <p:par>
+                                <p:cTn id="11" presetID="2" presetClass="entr" presetSubtype="4" fill="hold" nodeType="clickEffect">
+                                  <p:stCondLst>
+                                    <p:cond delay="0"/>
+                                  </p:stCondLst>
+                                  <p:childTnLst>
+                                    <p:set>
+                                      <p:cBhvr>
+                                        <p:cTn id="12" dur="1" fill="hold">
+                                          <p:stCondLst>
+                                            <p:cond delay="0"/>
+                                          </p:stCondLst>
+                                        </p:cTn>
+                                        <p:tgtEl>
+                                          <p:spTgt spid="6"/>
+                                        </p:tgtEl>
+                                        <p:attrNameLst>
+                                          <p:attrName>style.visibility</p:attrName>
+                                        </p:attrNameLst>
+                                      </p:cBhvr>
+                                      <p:to>
+                                        <p:strVal val="visible"/>
+                                      </p:to>
+                                    </p:set>
+                                    <p:anim calcmode="lin" valueType="num">
+                                      <p:cBhvr additive="base">
+                                        <p:cTn id="13" dur="500" fill="hold"/>
+                                        <p:tgtEl>
+                                          <p:spTgt spid="6"/>
+                                        </p:tgtEl>
+                                        <p:attrNameLst>
+                                          <p:attrName>ppt_x</p:attrName>
+                                        </p:attrNameLst>
+                                      </p:cBhvr>
+                                      <p:tavLst>
+                                        <p:tav tm="0">
+                                          <p:val>
+                                            <p:strVal val="#ppt_x"/>
+                                          </p:val>
+                                        </p:tav>
+                                        <p:tav tm="100000">
+                                          <p:val>
+                                            <p:strVal val="#ppt_x"/>
+                                          </p:val>
+                                        </p:tav>
+                                      </p:tavLst>
+                                    </p:anim>
+                                    <p:anim calcmode="lin" valueType="num">
+                                      <p:cBhvr additive="base">
+                                        <p:cTn id="14" dur="500" fill="hold"/>
+                                        <p:tgtEl>
+                                          <p:spTgt spid="6"/>
+                                        </p:tgtEl>
+                                        <p:attrNameLst>
+                                          <p:attrName>ppt_y</p:attrName>
+                                        </p:attrNameLst>
+                                      </p:cBhvr>
+                                      <p:tavLst>
+                                        <p:tav tm="0">
+                                          <p:val>
+                                            <p:strVal val="1+#ppt_h/2"/>
+                                          </p:val>
+                                        </p:tav>
+                                        <p:tav tm="100000">
+                                          <p:val>
+                                            <p:strVal val="#ppt_y"/>
+                                          </p:val>
+                                        </p:tav>
+                                      </p:tavLst>
+                                    </p:anim>
+                                  </p:childTnLst>
+                                </p:cTn>
+                              </p:par>
+                            </p:childTnLst>
+                          </p:cTn>
+                        </p:par>
+                      </p:childTnLst>
+                    </p:cTn>
+                  </p:par>
+                  <p:par>
+                    <p:cTn id="15" fill="hold">
+                      <p:stCondLst>
+                        <p:cond delay="indefinite"/>
+                      </p:stCondLst>
+                      <p:childTnLst>
+                        <p:par>
+                          <p:cTn id="16" fill="hold">
+                            <p:stCondLst>
+                              <p:cond delay="0"/>
+                            </p:stCondLst>
+                            <p:childTnLst>
+                              <p:par>
+                                <p:cTn id="17" presetID="2" presetClass="entr" presetSubtype="4" fill="hold" nodeType="clickEffect">
+                                  <p:stCondLst>
+                                    <p:cond delay="0"/>
+                                  </p:stCondLst>
+                                  <p:childTnLst>
+                                    <p:set>
+                                      <p:cBhvr>
+                                        <p:cTn id="18" dur="1" fill="hold">
+                                          <p:stCondLst>
+                                            <p:cond delay="0"/>
+                                          </p:stCondLst>
+                                        </p:cTn>
+                                        <p:tgtEl>
+                                          <p:spTgt spid="7"/>
+                                        </p:tgtEl>
+                                        <p:attrNameLst>
+                                          <p:attrName>style.visibility</p:attrName>
+                                        </p:attrNameLst>
+                                      </p:cBhvr>
+                                      <p:to>
+                                        <p:strVal val="visible"/>
+                                      </p:to>
+                                    </p:set>
+                                    <p:anim calcmode="lin" valueType="num">
+                                      <p:cBhvr additive="base">
+                                        <p:cTn id="19" dur="500" fill="hold"/>
+                                        <p:tgtEl>
+                                          <p:spTgt spid="7"/>
+                                        </p:tgtEl>
+                                        <p:attrNameLst>
+                                          <p:attrName>ppt_x</p:attrName>
+                                        </p:attrNameLst>
+                                      </p:cBhvr>
+                                      <p:tavLst>
+                                        <p:tav tm="0">
+                                          <p:val>
+                                            <p:strVal val="#ppt_x"/>
+                                          </p:val>
+                                        </p:tav>
+                                        <p:tav tm="100000">
+                                          <p:val>
+                                            <p:strVal val="#ppt_x"/>
+                                          </p:val>
+                                        </p:tav>
+                                      </p:tavLst>
+                                    </p:anim>
+                                    <p:anim calcmode="lin" valueType="num">
+                                      <p:cBhvr additive="base">
+                                        <p:cTn id="20" dur="500" fill="hold"/>
+                                        <p:tgtEl>
+                                          <p:spTgt spid="7"/>
+                                        </p:tgtEl>
+                                        <p:attrNameLst>
+                                          <p:attrName>ppt_y</p:attrName>
+                                        </p:attrNameLst>
+                                      </p:cBhvr>
+                                      <p:tavLst>
+                                        <p:tav tm="0">
+                                          <p:val>
+                                            <p:strVal val="1+#ppt_h/2"/>
+                                          </p:val>
+                                        </p:tav>
+                                        <p:tav tm="100000">
+                                          <p:val>
+                                            <p:strVal val="#ppt_y"/>
+                                          </p:val>
+                                        </p:tav>
+                                      </p:tavLst>
+                                    </p:anim>
+                                  </p:childTnLst>
+                                </p:cTn>
+                              </p:par>
+                            </p:childTnLst>
+                          </p:cTn>
+                        </p:par>
+                      </p:childTnLst>
+                    </p:cTn>
+                  </p:par>
+                </p:childTnLst>
+              </p:cTn>
+              <p:prevCondLst>
+                <p:cond evt="onPrev" delay="0">
+                  <p:tgtEl>
+                    <p:sldTgt/>
+                  </p:tgtEl>
+                </p:cond>
+              </p:prevCondLst>
+              <p:nextCondLst>
+                <p:cond evt="onNext" delay="0">
+                  <p:tgtEl>
+                    <p:sldTgt/>
+                  </p:tgtEl>
+                </p:cond>
+              </p:nextCondLst>
+            </p:seq>
+          </p:childTnLst>
+        </p:cTn>
       </p:par>
     </p:tnLst>
   </p:timing>
@@ -13807,8 +14104,21 @@
             <a:pPr lvl="1"/>
             <a:r>
               <a:rPr lang="nl-NL" sz="2600" dirty="0" smtClean="0"/>
-              <a:t>Reward gamma, learning rate, greedy rate, </a:t>
-            </a:r>
+              <a:t>Reward gamma, learning rate, </a:t>
+            </a:r>
+            <a:r>
+              <a:rPr lang="nl-NL" sz="2600" dirty="0" err="1" smtClean="0"/>
+              <a:t>greedy</a:t>
+            </a:r>
+            <a:r>
+              <a:rPr lang="nl-NL" sz="2600" dirty="0" smtClean="0"/>
+              <a:t> </a:t>
+            </a:r>
+            <a:r>
+              <a:rPr lang="nl-NL" sz="2600" dirty="0" err="1" smtClean="0"/>
+              <a:t>rate</a:t>
+            </a:r>
+            <a:endParaRPr lang="nl-NL" sz="2600" dirty="0" smtClean="0"/>
           </a:p>
           <a:p>
             <a:endParaRPr lang="nl-NL" sz="2800" dirty="0" smtClean="0"/>
